--- a/포폴개요문서.pptx
+++ b/포폴개요문서.pptx
@@ -9,6 +9,7 @@
     <p:sldId id="257" r:id="rId3"/>
     <p:sldId id="258" r:id="rId4"/>
     <p:sldId id="259" r:id="rId5"/>
+    <p:sldId id="260" r:id="rId6"/>
   </p:sldIdLst>
   <p:sldSz cx="12192000" cy="6858000"/>
   <p:notesSz cx="6858000" cy="9144000"/>
@@ -107,6 +108,11 @@
       </a:defRPr>
     </a:lvl9pPr>
   </p:defaultTextStyle>
+  <p:extLst>
+    <p:ext uri="{EFAFB233-063F-42B5-8137-9DF3F51BA10A}">
+      <p15:sldGuideLst xmlns:p15="http://schemas.microsoft.com/office/powerpoint/2012/main"/>
+    </p:ext>
+  </p:extLst>
 </p:presentation>
 </file>
 
@@ -5512,7 +5518,7 @@
           <a:p>
             <a:fld id="{B3843184-6CFB-4961-96B3-7192214C5C1A}" type="datetimeFigureOut">
               <a:rPr lang="ko-KR" altLang="en-US" smtClean="0"/>
-              <a:t>2023-10-18</a:t>
+              <a:t>2023-10-19</a:t>
             </a:fld>
             <a:endParaRPr lang="ko-KR" altLang="en-US"/>
           </a:p>
@@ -5682,7 +5688,7 @@
           <a:p>
             <a:fld id="{B3843184-6CFB-4961-96B3-7192214C5C1A}" type="datetimeFigureOut">
               <a:rPr lang="ko-KR" altLang="en-US" smtClean="0"/>
-              <a:t>2023-10-18</a:t>
+              <a:t>2023-10-19</a:t>
             </a:fld>
             <a:endParaRPr lang="ko-KR" altLang="en-US"/>
           </a:p>
@@ -5862,7 +5868,7 @@
           <a:p>
             <a:fld id="{B3843184-6CFB-4961-96B3-7192214C5C1A}" type="datetimeFigureOut">
               <a:rPr lang="ko-KR" altLang="en-US" smtClean="0"/>
-              <a:t>2023-10-18</a:t>
+              <a:t>2023-10-19</a:t>
             </a:fld>
             <a:endParaRPr lang="ko-KR" altLang="en-US"/>
           </a:p>
@@ -6032,7 +6038,7 @@
           <a:p>
             <a:fld id="{B3843184-6CFB-4961-96B3-7192214C5C1A}" type="datetimeFigureOut">
               <a:rPr lang="ko-KR" altLang="en-US" smtClean="0"/>
-              <a:t>2023-10-18</a:t>
+              <a:t>2023-10-19</a:t>
             </a:fld>
             <a:endParaRPr lang="ko-KR" altLang="en-US"/>
           </a:p>
@@ -6278,7 +6284,7 @@
           <a:p>
             <a:fld id="{B3843184-6CFB-4961-96B3-7192214C5C1A}" type="datetimeFigureOut">
               <a:rPr lang="ko-KR" altLang="en-US" smtClean="0"/>
-              <a:t>2023-10-18</a:t>
+              <a:t>2023-10-19</a:t>
             </a:fld>
             <a:endParaRPr lang="ko-KR" altLang="en-US"/>
           </a:p>
@@ -6510,7 +6516,7 @@
           <a:p>
             <a:fld id="{B3843184-6CFB-4961-96B3-7192214C5C1A}" type="datetimeFigureOut">
               <a:rPr lang="ko-KR" altLang="en-US" smtClean="0"/>
-              <a:t>2023-10-18</a:t>
+              <a:t>2023-10-19</a:t>
             </a:fld>
             <a:endParaRPr lang="ko-KR" altLang="en-US"/>
           </a:p>
@@ -6877,7 +6883,7 @@
           <a:p>
             <a:fld id="{B3843184-6CFB-4961-96B3-7192214C5C1A}" type="datetimeFigureOut">
               <a:rPr lang="ko-KR" altLang="en-US" smtClean="0"/>
-              <a:t>2023-10-18</a:t>
+              <a:t>2023-10-19</a:t>
             </a:fld>
             <a:endParaRPr lang="ko-KR" altLang="en-US"/>
           </a:p>
@@ -6995,7 +7001,7 @@
           <a:p>
             <a:fld id="{B3843184-6CFB-4961-96B3-7192214C5C1A}" type="datetimeFigureOut">
               <a:rPr lang="ko-KR" altLang="en-US" smtClean="0"/>
-              <a:t>2023-10-18</a:t>
+              <a:t>2023-10-19</a:t>
             </a:fld>
             <a:endParaRPr lang="ko-KR" altLang="en-US"/>
           </a:p>
@@ -7090,7 +7096,7 @@
           <a:p>
             <a:fld id="{B3843184-6CFB-4961-96B3-7192214C5C1A}" type="datetimeFigureOut">
               <a:rPr lang="ko-KR" altLang="en-US" smtClean="0"/>
-              <a:t>2023-10-18</a:t>
+              <a:t>2023-10-19</a:t>
             </a:fld>
             <a:endParaRPr lang="ko-KR" altLang="en-US"/>
           </a:p>
@@ -7367,7 +7373,7 @@
           <a:p>
             <a:fld id="{B3843184-6CFB-4961-96B3-7192214C5C1A}" type="datetimeFigureOut">
               <a:rPr lang="ko-KR" altLang="en-US" smtClean="0"/>
-              <a:t>2023-10-18</a:t>
+              <a:t>2023-10-19</a:t>
             </a:fld>
             <a:endParaRPr lang="ko-KR" altLang="en-US"/>
           </a:p>
@@ -7620,7 +7626,7 @@
           <a:p>
             <a:fld id="{B3843184-6CFB-4961-96B3-7192214C5C1A}" type="datetimeFigureOut">
               <a:rPr lang="ko-KR" altLang="en-US" smtClean="0"/>
-              <a:t>2023-10-18</a:t>
+              <a:t>2023-10-19</a:t>
             </a:fld>
             <a:endParaRPr lang="ko-KR" altLang="en-US"/>
           </a:p>
@@ -7833,7 +7839,7 @@
           <a:p>
             <a:fld id="{B3843184-6CFB-4961-96B3-7192214C5C1A}" type="datetimeFigureOut">
               <a:rPr lang="ko-KR" altLang="en-US" smtClean="0"/>
-              <a:t>2023-10-18</a:t>
+              <a:t>2023-10-19</a:t>
             </a:fld>
             <a:endParaRPr lang="ko-KR" altLang="en-US"/>
           </a:p>
@@ -10317,17 +10323,7 @@
                 <a:latin typeface="Adobe 고딕 Std B" panose="020B0800000000000000" pitchFamily="34" charset="-127"/>
                 <a:ea typeface="Adobe 고딕 Std B" panose="020B0800000000000000" pitchFamily="34" charset="-127"/>
               </a:rPr>
-              <a:t>개인</a:t>
-            </a:r>
-            <a:r>
-              <a:rPr lang="ko-KR" altLang="en-US" sz="1100" dirty="0" smtClean="0">
-                <a:solidFill>
-                  <a:schemeClr val="accent2"/>
-                </a:solidFill>
-                <a:latin typeface="Adobe 고딕 Std B" panose="020B0800000000000000" pitchFamily="34" charset="-127"/>
-                <a:ea typeface="Adobe 고딕 Std B" panose="020B0800000000000000" pitchFamily="34" charset="-127"/>
-              </a:rPr>
-              <a:t>프로젝트</a:t>
+              <a:t>개인프로젝트</a:t>
             </a:r>
             <a:r>
               <a:rPr lang="en-US" altLang="ko-KR" sz="1100" dirty="0" smtClean="0">
@@ -11655,7 +11651,7 @@
         </p:nvSpPr>
         <p:spPr>
           <a:xfrm>
-            <a:off x="5087566" y="1187356"/>
+            <a:off x="5411763" y="351194"/>
             <a:ext cx="3822852" cy="252338"/>
           </a:xfrm>
           <a:prstGeom prst="rect">
@@ -11686,7 +11682,6 @@
             </a:lvl1pPr>
           </a:lstStyle>
           <a:p>
-            <a:pPr algn="l"/>
             <a:r>
               <a:rPr lang="en-US" altLang="ko-KR" sz="1100" dirty="0" smtClean="0">
                 <a:solidFill>
@@ -11797,8 +11792,8 @@
         </p:nvSpPr>
         <p:spPr>
           <a:xfrm>
-            <a:off x="483140" y="2266545"/>
-            <a:ext cx="3822852" cy="3190672"/>
+            <a:off x="286966" y="2658039"/>
+            <a:ext cx="3822852" cy="1541922"/>
           </a:xfrm>
           <a:prstGeom prst="rect">
             <a:avLst/>
@@ -11830,7 +11825,7 @@
           <a:p>
             <a:pPr algn="l"/>
             <a:r>
-              <a:rPr lang="ko-KR" altLang="en-US" sz="1100" dirty="0" smtClean="0">
+              <a:rPr lang="ko-KR" altLang="en-US" sz="1000" dirty="0">
                 <a:solidFill>
                   <a:schemeClr val="bg1"/>
                 </a:solidFill>
@@ -11839,11 +11834,27 @@
               </a:rPr>
               <a:t>교내 프로젝트에서 제작한 게임을</a:t>
             </a:r>
-          </a:p>
-          <a:p>
-            <a:pPr algn="l"/>
-            <a:r>
-              <a:rPr lang="en-US" altLang="ko-KR" sz="1100" dirty="0" err="1" smtClean="0">
+            <a:r>
+              <a:rPr lang="ko-KR" altLang="en-US" sz="1000" dirty="0">
+                <a:solidFill>
+                  <a:schemeClr val="bg1"/>
+                </a:solidFill>
+                <a:latin typeface="Adobe 고딕 Std B" panose="020B0800000000000000" pitchFamily="34" charset="-127"/>
+                <a:ea typeface="Adobe 고딕 Std B" panose="020B0800000000000000" pitchFamily="34" charset="-127"/>
+              </a:rPr>
+              <a:t/>
+            </a:r>
+            <a:br>
+              <a:rPr lang="ko-KR" altLang="en-US" sz="1000" dirty="0">
+                <a:solidFill>
+                  <a:schemeClr val="bg1"/>
+                </a:solidFill>
+                <a:latin typeface="Adobe 고딕 Std B" panose="020B0800000000000000" pitchFamily="34" charset="-127"/>
+                <a:ea typeface="Adobe 고딕 Std B" panose="020B0800000000000000" pitchFamily="34" charset="-127"/>
+              </a:rPr>
+            </a:br>
+            <a:r>
+              <a:rPr lang="en-US" altLang="ko-KR" sz="1000" dirty="0" err="1">
                 <a:solidFill>
                   <a:schemeClr val="bg1"/>
                 </a:solidFill>
@@ -11853,17 +11864,17 @@
               <a:t>GStar</a:t>
             </a:r>
             <a:r>
-              <a:rPr lang="ko-KR" altLang="en-US" sz="1100" dirty="0" smtClean="0">
-                <a:solidFill>
-                  <a:schemeClr val="bg1"/>
-                </a:solidFill>
-                <a:latin typeface="Adobe 고딕 Std B" panose="020B0800000000000000" pitchFamily="34" charset="-127"/>
-                <a:ea typeface="Adobe 고딕 Std B" panose="020B0800000000000000" pitchFamily="34" charset="-127"/>
-              </a:rPr>
-              <a:t>에 전시하였고</a:t>
-            </a:r>
-            <a:r>
-              <a:rPr lang="en-US" altLang="ko-KR" sz="1100" dirty="0" smtClean="0">
+              <a:rPr lang="ko-KR" altLang="en-US" sz="1000" dirty="0">
+                <a:solidFill>
+                  <a:schemeClr val="bg1"/>
+                </a:solidFill>
+                <a:latin typeface="Adobe 고딕 Std B" panose="020B0800000000000000" pitchFamily="34" charset="-127"/>
+                <a:ea typeface="Adobe 고딕 Std B" panose="020B0800000000000000" pitchFamily="34" charset="-127"/>
+              </a:rPr>
+              <a:t>에 전시하였고</a:t>
+            </a:r>
+            <a:r>
+              <a:rPr lang="en-US" altLang="ko-KR" sz="1000" dirty="0">
                 <a:solidFill>
                   <a:schemeClr val="bg1"/>
                 </a:solidFill>
@@ -11873,36 +11884,210 @@
               <a:t>, </a:t>
             </a:r>
             <a:r>
-              <a:rPr lang="ko-KR" altLang="en-US" sz="1100" dirty="0" smtClean="0">
-                <a:solidFill>
-                  <a:schemeClr val="bg1"/>
-                </a:solidFill>
-                <a:latin typeface="Adobe 고딕 Std B" panose="020B0800000000000000" pitchFamily="34" charset="-127"/>
-                <a:ea typeface="Adobe 고딕 Std B" panose="020B0800000000000000" pitchFamily="34" charset="-127"/>
-              </a:rPr>
-              <a:t>관객들이 </a:t>
-            </a:r>
-            <a:r>
-              <a:rPr lang="ko-KR" altLang="en-US" sz="1100" dirty="0" err="1" smtClean="0">
-                <a:solidFill>
-                  <a:schemeClr val="bg1"/>
-                </a:solidFill>
-                <a:latin typeface="Adobe 고딕 Std B" panose="020B0800000000000000" pitchFamily="34" charset="-127"/>
-                <a:ea typeface="Adobe 고딕 Std B" panose="020B0800000000000000" pitchFamily="34" charset="-127"/>
-              </a:rPr>
-              <a:t>플레이하는도중</a:t>
-            </a:r>
-            <a:r>
-              <a:rPr lang="ko-KR" altLang="en-US" sz="1100" smtClean="0">
-                <a:solidFill>
-                  <a:schemeClr val="bg1"/>
-                </a:solidFill>
-                <a:latin typeface="Adobe 고딕 Std B" panose="020B0800000000000000" pitchFamily="34" charset="-127"/>
-                <a:ea typeface="Adobe 고딕 Std B" panose="020B0800000000000000" pitchFamily="34" charset="-127"/>
-              </a:rPr>
-              <a:t> </a:t>
-            </a:r>
-            <a:endParaRPr lang="ko-KR" altLang="en-US" sz="1100" dirty="0" smtClean="0">
+              <a:rPr lang="ko-KR" altLang="en-US" sz="1000" dirty="0">
+                <a:solidFill>
+                  <a:schemeClr val="bg1"/>
+                </a:solidFill>
+                <a:latin typeface="Adobe 고딕 Std B" panose="020B0800000000000000" pitchFamily="34" charset="-127"/>
+                <a:ea typeface="Adobe 고딕 Std B" panose="020B0800000000000000" pitchFamily="34" charset="-127"/>
+              </a:rPr>
+              <a:t>관객들이 플레이하는 것을 지켜보고</a:t>
+            </a:r>
+            <a:r>
+              <a:rPr lang="ko-KR" altLang="en-US" sz="1000" dirty="0">
+                <a:solidFill>
+                  <a:schemeClr val="bg1"/>
+                </a:solidFill>
+                <a:latin typeface="Adobe 고딕 Std B" panose="020B0800000000000000" pitchFamily="34" charset="-127"/>
+                <a:ea typeface="Adobe 고딕 Std B" panose="020B0800000000000000" pitchFamily="34" charset="-127"/>
+              </a:rPr>
+              <a:t/>
+            </a:r>
+            <a:br>
+              <a:rPr lang="ko-KR" altLang="en-US" sz="1000" dirty="0">
+                <a:solidFill>
+                  <a:schemeClr val="bg1"/>
+                </a:solidFill>
+                <a:latin typeface="Adobe 고딕 Std B" panose="020B0800000000000000" pitchFamily="34" charset="-127"/>
+                <a:ea typeface="Adobe 고딕 Std B" panose="020B0800000000000000" pitchFamily="34" charset="-127"/>
+              </a:rPr>
+            </a:br>
+            <a:r>
+              <a:rPr lang="ko-KR" altLang="en-US" sz="1000" dirty="0">
+                <a:solidFill>
+                  <a:schemeClr val="bg1"/>
+                </a:solidFill>
+                <a:latin typeface="Adobe 고딕 Std B" panose="020B0800000000000000" pitchFamily="34" charset="-127"/>
+                <a:ea typeface="Adobe 고딕 Std B" panose="020B0800000000000000" pitchFamily="34" charset="-127"/>
+              </a:rPr>
+              <a:t>개선할 점을 발견할 수도 있었습니다</a:t>
+            </a:r>
+            <a:r>
+              <a:rPr lang="en-US" altLang="ko-KR" sz="1000" dirty="0">
+                <a:solidFill>
+                  <a:schemeClr val="bg1"/>
+                </a:solidFill>
+                <a:latin typeface="Adobe 고딕 Std B" panose="020B0800000000000000" pitchFamily="34" charset="-127"/>
+                <a:ea typeface="Adobe 고딕 Std B" panose="020B0800000000000000" pitchFamily="34" charset="-127"/>
+              </a:rPr>
+              <a:t>.</a:t>
+            </a:r>
+            <a:r>
+              <a:rPr lang="ko-KR" altLang="en-US" sz="1000" dirty="0">
+                <a:solidFill>
+                  <a:schemeClr val="bg1"/>
+                </a:solidFill>
+                <a:latin typeface="Adobe 고딕 Std B" panose="020B0800000000000000" pitchFamily="34" charset="-127"/>
+                <a:ea typeface="Adobe 고딕 Std B" panose="020B0800000000000000" pitchFamily="34" charset="-127"/>
+              </a:rPr>
+              <a:t/>
+            </a:r>
+            <a:br>
+              <a:rPr lang="ko-KR" altLang="en-US" sz="1000" dirty="0">
+                <a:solidFill>
+                  <a:schemeClr val="bg1"/>
+                </a:solidFill>
+                <a:latin typeface="Adobe 고딕 Std B" panose="020B0800000000000000" pitchFamily="34" charset="-127"/>
+                <a:ea typeface="Adobe 고딕 Std B" panose="020B0800000000000000" pitchFamily="34" charset="-127"/>
+              </a:rPr>
+            </a:br>
+            <a:r>
+              <a:rPr lang="ko-KR" altLang="en-US" sz="1000" dirty="0">
+                <a:solidFill>
+                  <a:schemeClr val="bg1"/>
+                </a:solidFill>
+                <a:latin typeface="Adobe 고딕 Std B" panose="020B0800000000000000" pitchFamily="34" charset="-127"/>
+                <a:ea typeface="Adobe 고딕 Std B" panose="020B0800000000000000" pitchFamily="34" charset="-127"/>
+              </a:rPr>
+              <a:t/>
+            </a:r>
+            <a:br>
+              <a:rPr lang="ko-KR" altLang="en-US" sz="1000" dirty="0">
+                <a:solidFill>
+                  <a:schemeClr val="bg1"/>
+                </a:solidFill>
+                <a:latin typeface="Adobe 고딕 Std B" panose="020B0800000000000000" pitchFamily="34" charset="-127"/>
+                <a:ea typeface="Adobe 고딕 Std B" panose="020B0800000000000000" pitchFamily="34" charset="-127"/>
+              </a:rPr>
+            </a:br>
+            <a:r>
+              <a:rPr lang="ko-KR" altLang="en-US" sz="1000" dirty="0">
+                <a:solidFill>
+                  <a:schemeClr val="bg1"/>
+                </a:solidFill>
+                <a:latin typeface="Adobe 고딕 Std B" panose="020B0800000000000000" pitchFamily="34" charset="-127"/>
+                <a:ea typeface="Adobe 고딕 Std B" panose="020B0800000000000000" pitchFamily="34" charset="-127"/>
+              </a:rPr>
+              <a:t>타 업체들의 게임을 플레이해 보고</a:t>
+            </a:r>
+            <a:r>
+              <a:rPr lang="en-US" altLang="ko-KR" sz="1000" dirty="0">
+                <a:solidFill>
+                  <a:schemeClr val="bg1"/>
+                </a:solidFill>
+                <a:latin typeface="Adobe 고딕 Std B" panose="020B0800000000000000" pitchFamily="34" charset="-127"/>
+                <a:ea typeface="Adobe 고딕 Std B" panose="020B0800000000000000" pitchFamily="34" charset="-127"/>
+              </a:rPr>
+              <a:t>, </a:t>
+            </a:r>
+            <a:r>
+              <a:rPr lang="ko-KR" altLang="en-US" sz="1000" dirty="0">
+                <a:solidFill>
+                  <a:schemeClr val="bg1"/>
+                </a:solidFill>
+                <a:latin typeface="Adobe 고딕 Std B" panose="020B0800000000000000" pitchFamily="34" charset="-127"/>
+                <a:ea typeface="Adobe 고딕 Std B" panose="020B0800000000000000" pitchFamily="34" charset="-127"/>
+              </a:rPr>
+              <a:t>나라면 이러한 것들을 어떻게 구현해볼 것인가 생각해 보기도 하면서 식견을 넓힐 수 있었습니다</a:t>
+            </a:r>
+            <a:r>
+              <a:rPr lang="ko-KR" altLang="en-US" sz="1000" dirty="0">
+                <a:solidFill>
+                  <a:schemeClr val="bg1"/>
+                </a:solidFill>
+                <a:latin typeface="Adobe 고딕 Std B" panose="020B0800000000000000" pitchFamily="34" charset="-127"/>
+                <a:ea typeface="Adobe 고딕 Std B" panose="020B0800000000000000" pitchFamily="34" charset="-127"/>
+              </a:rPr>
+              <a:t/>
+            </a:r>
+            <a:br>
+              <a:rPr lang="ko-KR" altLang="en-US" sz="1000" dirty="0">
+                <a:solidFill>
+                  <a:schemeClr val="bg1"/>
+                </a:solidFill>
+                <a:latin typeface="Adobe 고딕 Std B" panose="020B0800000000000000" pitchFamily="34" charset="-127"/>
+                <a:ea typeface="Adobe 고딕 Std B" panose="020B0800000000000000" pitchFamily="34" charset="-127"/>
+              </a:rPr>
+            </a:br>
+            <a:r>
+              <a:rPr lang="ko-KR" altLang="en-US" sz="1000" dirty="0">
+                <a:solidFill>
+                  <a:schemeClr val="bg1"/>
+                </a:solidFill>
+                <a:latin typeface="Adobe 고딕 Std B" panose="020B0800000000000000" pitchFamily="34" charset="-127"/>
+                <a:ea typeface="Adobe 고딕 Std B" panose="020B0800000000000000" pitchFamily="34" charset="-127"/>
+              </a:rPr>
+              <a:t/>
+            </a:r>
+            <a:br>
+              <a:rPr lang="ko-KR" altLang="en-US" sz="1000" dirty="0">
+                <a:solidFill>
+                  <a:schemeClr val="bg1"/>
+                </a:solidFill>
+                <a:latin typeface="Adobe 고딕 Std B" panose="020B0800000000000000" pitchFamily="34" charset="-127"/>
+                <a:ea typeface="Adobe 고딕 Std B" panose="020B0800000000000000" pitchFamily="34" charset="-127"/>
+              </a:rPr>
+            </a:br>
+            <a:r>
+              <a:rPr lang="ko-KR" altLang="en-US" sz="1000" dirty="0">
+                <a:solidFill>
+                  <a:schemeClr val="bg1"/>
+                </a:solidFill>
+                <a:latin typeface="Adobe 고딕 Std B" panose="020B0800000000000000" pitchFamily="34" charset="-127"/>
+                <a:ea typeface="Adobe 고딕 Std B" panose="020B0800000000000000" pitchFamily="34" charset="-127"/>
+              </a:rPr>
+              <a:t>이러한 경험을 게임 프로그래머에 대한 꿈을 더욱 확고하게</a:t>
+            </a:r>
+            <a:r>
+              <a:rPr lang="ko-KR" altLang="en-US" sz="1000" dirty="0">
+                <a:solidFill>
+                  <a:schemeClr val="bg1"/>
+                </a:solidFill>
+                <a:latin typeface="Adobe 고딕 Std B" panose="020B0800000000000000" pitchFamily="34" charset="-127"/>
+                <a:ea typeface="Adobe 고딕 Std B" panose="020B0800000000000000" pitchFamily="34" charset="-127"/>
+              </a:rPr>
+              <a:t/>
+            </a:r>
+            <a:br>
+              <a:rPr lang="ko-KR" altLang="en-US" sz="1000" dirty="0">
+                <a:solidFill>
+                  <a:schemeClr val="bg1"/>
+                </a:solidFill>
+                <a:latin typeface="Adobe 고딕 Std B" panose="020B0800000000000000" pitchFamily="34" charset="-127"/>
+                <a:ea typeface="Adobe 고딕 Std B" panose="020B0800000000000000" pitchFamily="34" charset="-127"/>
+              </a:rPr>
+            </a:br>
+            <a:r>
+              <a:rPr lang="ko-KR" altLang="en-US" sz="1000" dirty="0">
+                <a:solidFill>
+                  <a:schemeClr val="bg1"/>
+                </a:solidFill>
+                <a:latin typeface="Adobe 고딕 Std B" panose="020B0800000000000000" pitchFamily="34" charset="-127"/>
+                <a:ea typeface="Adobe 고딕 Std B" panose="020B0800000000000000" pitchFamily="34" charset="-127"/>
+              </a:rPr>
+              <a:t>정할 수 있었습니다</a:t>
+            </a:r>
+            <a:r>
+              <a:rPr lang="en-US" altLang="ko-KR" sz="1000" dirty="0">
+                <a:solidFill>
+                  <a:schemeClr val="bg1"/>
+                </a:solidFill>
+                <a:latin typeface="Adobe 고딕 Std B" panose="020B0800000000000000" pitchFamily="34" charset="-127"/>
+                <a:ea typeface="Adobe 고딕 Std B" panose="020B0800000000000000" pitchFamily="34" charset="-127"/>
+              </a:rPr>
+              <a:t>.</a:t>
+            </a:r>
+            <a:endParaRPr lang="en-US" altLang="ko-KR" sz="1000" dirty="0" smtClean="0">
               <a:solidFill>
                 <a:schemeClr val="bg1"/>
               </a:solidFill>
@@ -11910,8 +12095,273 @@
               <a:ea typeface="Adobe 고딕 Std B" panose="020B0800000000000000" pitchFamily="34" charset="-127"/>
             </a:endParaRPr>
           </a:p>
-          <a:p>
-            <a:pPr algn="l"/>
+        </p:txBody>
+      </p:sp>
+    </p:spTree>
+    <p:extLst>
+      <p:ext uri="{BB962C8B-B14F-4D97-AF65-F5344CB8AC3E}">
+        <p14:creationId xmlns:p14="http://schemas.microsoft.com/office/powerpoint/2010/main" val="3451843199"/>
+      </p:ext>
+    </p:extLst>
+  </p:cSld>
+  <p:clrMapOvr>
+    <a:masterClrMapping/>
+  </p:clrMapOvr>
+  <p:timing>
+    <p:tnLst>
+      <p:par>
+        <p:cTn id="1" dur="indefinite" restart="never" nodeType="tmRoot"/>
+      </p:par>
+    </p:tnLst>
+  </p:timing>
+</p:sld>
+</file>
+
+<file path=ppt/slides/slide5.xml><?xml version="1.0" encoding="utf-8"?>
+<p:sld xmlns:a="http://schemas.openxmlformats.org/drawingml/2006/main" xmlns:r="http://schemas.openxmlformats.org/officeDocument/2006/relationships" xmlns:p="http://schemas.openxmlformats.org/presentationml/2006/main">
+  <p:cSld>
+    <p:spTree>
+      <p:nvGrpSpPr>
+        <p:cNvPr id="1" name=""/>
+        <p:cNvGrpSpPr/>
+        <p:nvPr/>
+      </p:nvGrpSpPr>
+      <p:grpSpPr>
+        <a:xfrm>
+          <a:off x="0" y="0"/>
+          <a:ext cx="0" cy="0"/>
+          <a:chOff x="0" y="0"/>
+          <a:chExt cx="0" cy="0"/>
+        </a:xfrm>
+      </p:grpSpPr>
+      <p:sp>
+        <p:nvSpPr>
+          <p:cNvPr id="13" name="직사각형 12"/>
+          <p:cNvSpPr/>
+          <p:nvPr/>
+        </p:nvSpPr>
+        <p:spPr>
+          <a:xfrm>
+            <a:off x="0" y="0"/>
+            <a:ext cx="12224185" cy="6858000"/>
+          </a:xfrm>
+          <a:prstGeom prst="rect">
+            <a:avLst/>
+          </a:prstGeom>
+          <a:solidFill>
+            <a:schemeClr val="tx1"/>
+          </a:solidFill>
+        </p:spPr>
+        <p:style>
+          <a:lnRef idx="2">
+            <a:schemeClr val="accent1">
+              <a:shade val="50000"/>
+            </a:schemeClr>
+          </a:lnRef>
+          <a:fillRef idx="1">
+            <a:schemeClr val="accent1"/>
+          </a:fillRef>
+          <a:effectRef idx="0">
+            <a:schemeClr val="accent1"/>
+          </a:effectRef>
+          <a:fontRef idx="minor">
+            <a:schemeClr val="lt1"/>
+          </a:fontRef>
+        </p:style>
+        <p:txBody>
+          <a:bodyPr rtlCol="0" anchor="ctr"/>
+          <a:lstStyle/>
+          <a:p>
+            <a:pPr algn="ctr"/>
+            <a:endParaRPr lang="ko-KR" altLang="en-US"/>
+          </a:p>
+        </p:txBody>
+      </p:sp>
+      <p:sp>
+        <p:nvSpPr>
+          <p:cNvPr id="3" name="순서도: 다른 페이지 연결선 2"/>
+          <p:cNvSpPr/>
+          <p:nvPr/>
+        </p:nvSpPr>
+        <p:spPr>
+          <a:xfrm>
+            <a:off x="0" y="0"/>
+            <a:ext cx="573932" cy="1439694"/>
+          </a:xfrm>
+          <a:prstGeom prst="flowChartOffpageConnector">
+            <a:avLst/>
+          </a:prstGeom>
+          <a:solidFill>
+            <a:srgbClr val="0070C0"/>
+          </a:solidFill>
+        </p:spPr>
+        <p:style>
+          <a:lnRef idx="2">
+            <a:schemeClr val="accent1">
+              <a:shade val="50000"/>
+            </a:schemeClr>
+          </a:lnRef>
+          <a:fillRef idx="1">
+            <a:schemeClr val="accent1"/>
+          </a:fillRef>
+          <a:effectRef idx="0">
+            <a:schemeClr val="accent1"/>
+          </a:effectRef>
+          <a:fontRef idx="minor">
+            <a:schemeClr val="lt1"/>
+          </a:fontRef>
+        </p:style>
+        <p:txBody>
+          <a:bodyPr rtlCol="0" anchor="ctr"/>
+          <a:lstStyle/>
+          <a:p>
+            <a:pPr algn="ctr"/>
+            <a:endParaRPr lang="ko-KR" altLang="en-US"/>
+          </a:p>
+        </p:txBody>
+      </p:sp>
+      <p:sp>
+        <p:nvSpPr>
+          <p:cNvPr id="7" name="제목 1"/>
+          <p:cNvSpPr txBox="1">
+            <a:spLocks/>
+          </p:cNvSpPr>
+          <p:nvPr/>
+        </p:nvSpPr>
+        <p:spPr>
+          <a:xfrm>
+            <a:off x="573932" y="710120"/>
+            <a:ext cx="2178996" cy="473818"/>
+          </a:xfrm>
+          <a:prstGeom prst="rect">
+            <a:avLst/>
+          </a:prstGeom>
+        </p:spPr>
+        <p:txBody>
+          <a:bodyPr vert="horz" lIns="91440" tIns="45720" rIns="91440" bIns="45720" rtlCol="0" anchor="b">
+            <a:noAutofit/>
+          </a:bodyPr>
+          <a:lstStyle>
+            <a:lvl1pPr algn="ctr" defTabSz="914400" rtl="0" eaLnBrk="1" latinLnBrk="1" hangingPunct="1">
+              <a:lnSpc>
+                <a:spcPct val="90000"/>
+              </a:lnSpc>
+              <a:spcBef>
+                <a:spcPct val="0"/>
+              </a:spcBef>
+              <a:buNone/>
+              <a:defRPr sz="6000" kern="1200">
+                <a:solidFill>
+                  <a:schemeClr val="tx1"/>
+                </a:solidFill>
+                <a:latin typeface="+mj-lt"/>
+                <a:ea typeface="+mj-ea"/>
+                <a:cs typeface="+mj-cs"/>
+              </a:defRPr>
+            </a:lvl1pPr>
+          </a:lstStyle>
+          <a:p>
+            <a:r>
+              <a:rPr lang="ko-KR" altLang="en-US" sz="2400" b="1" dirty="0" smtClean="0">
+                <a:solidFill>
+                  <a:srgbClr val="0070C0"/>
+                </a:solidFill>
+                <a:latin typeface="Adobe 고딕 Std B" panose="020B0800000000000000" pitchFamily="34" charset="-127"/>
+                <a:ea typeface="Adobe 고딕 Std B" panose="020B0800000000000000" pitchFamily="34" charset="-127"/>
+              </a:rPr>
+              <a:t>프로젝트 </a:t>
+            </a:r>
+            <a:r>
+              <a:rPr lang="ko-KR" altLang="en-US" sz="2400" b="1" dirty="0" smtClean="0">
+                <a:solidFill>
+                  <a:srgbClr val="0070C0"/>
+                </a:solidFill>
+                <a:latin typeface="Adobe 고딕 Std B" panose="020B0800000000000000" pitchFamily="34" charset="-127"/>
+                <a:ea typeface="Adobe 고딕 Std B" panose="020B0800000000000000" pitchFamily="34" charset="-127"/>
+              </a:rPr>
+              <a:t>이력</a:t>
+            </a:r>
+            <a:endParaRPr lang="ko-KR" altLang="en-US" sz="2400" b="1" dirty="0">
+              <a:solidFill>
+                <a:srgbClr val="0070C0"/>
+              </a:solidFill>
+              <a:latin typeface="Adobe 고딕 Std B" panose="020B0800000000000000" pitchFamily="34" charset="-127"/>
+              <a:ea typeface="Adobe 고딕 Std B" panose="020B0800000000000000" pitchFamily="34" charset="-127"/>
+            </a:endParaRPr>
+          </a:p>
+        </p:txBody>
+      </p:sp>
+      <p:sp>
+        <p:nvSpPr>
+          <p:cNvPr id="9" name="제목 1"/>
+          <p:cNvSpPr txBox="1">
+            <a:spLocks/>
+          </p:cNvSpPr>
+          <p:nvPr/>
+        </p:nvSpPr>
+        <p:spPr>
+          <a:xfrm>
+            <a:off x="5411763" y="351194"/>
+            <a:ext cx="3822852" cy="252338"/>
+          </a:xfrm>
+          <a:prstGeom prst="rect">
+            <a:avLst/>
+          </a:prstGeom>
+        </p:spPr>
+        <p:txBody>
+          <a:bodyPr vert="horz" lIns="91440" tIns="45720" rIns="91440" bIns="45720" rtlCol="0" anchor="b">
+            <a:normAutofit/>
+          </a:bodyPr>
+          <a:lstStyle>
+            <a:lvl1pPr algn="ctr" defTabSz="914400" rtl="0" eaLnBrk="1" latinLnBrk="1" hangingPunct="1">
+              <a:lnSpc>
+                <a:spcPct val="90000"/>
+              </a:lnSpc>
+              <a:spcBef>
+                <a:spcPct val="0"/>
+              </a:spcBef>
+              <a:buNone/>
+              <a:defRPr sz="6000" kern="1200">
+                <a:solidFill>
+                  <a:schemeClr val="tx1"/>
+                </a:solidFill>
+                <a:latin typeface="+mj-lt"/>
+                <a:ea typeface="+mj-ea"/>
+                <a:cs typeface="+mj-cs"/>
+              </a:defRPr>
+            </a:lvl1pPr>
+          </a:lstStyle>
+          <a:p>
+            <a:r>
+              <a:rPr lang="en-US" altLang="ko-KR" sz="1100" dirty="0" smtClean="0">
+                <a:solidFill>
+                  <a:schemeClr val="bg1"/>
+                </a:solidFill>
+                <a:latin typeface="Adobe 고딕 Std B" panose="020B0800000000000000" pitchFamily="34" charset="-127"/>
+                <a:ea typeface="Adobe 고딕 Std B" panose="020B0800000000000000" pitchFamily="34" charset="-127"/>
+              </a:rPr>
+              <a:t>2022 </a:t>
+            </a:r>
+            <a:r>
+              <a:rPr lang="en-US" altLang="ko-KR" sz="1100" dirty="0" err="1" smtClean="0">
+                <a:solidFill>
+                  <a:srgbClr val="00B0F0"/>
+                </a:solidFill>
+                <a:latin typeface="Adobe 고딕 Std B" panose="020B0800000000000000" pitchFamily="34" charset="-127"/>
+                <a:ea typeface="Adobe 고딕 Std B" panose="020B0800000000000000" pitchFamily="34" charset="-127"/>
+              </a:rPr>
+              <a:t>Gstar</a:t>
+            </a:r>
+            <a:r>
+              <a:rPr lang="en-US" altLang="ko-KR" sz="1100" dirty="0" smtClean="0">
+                <a:solidFill>
+                  <a:schemeClr val="bg1"/>
+                </a:solidFill>
+                <a:latin typeface="Adobe 고딕 Std B" panose="020B0800000000000000" pitchFamily="34" charset="-127"/>
+                <a:ea typeface="Adobe 고딕 Std B" panose="020B0800000000000000" pitchFamily="34" charset="-127"/>
+              </a:rPr>
+              <a:t> </a:t>
+            </a:r>
             <a:r>
               <a:rPr lang="ko-KR" altLang="en-US" sz="1100" dirty="0" smtClean="0">
                 <a:solidFill>
@@ -11920,24 +12370,48 @@
                 <a:latin typeface="Adobe 고딕 Std B" panose="020B0800000000000000" pitchFamily="34" charset="-127"/>
                 <a:ea typeface="Adobe 고딕 Std B" panose="020B0800000000000000" pitchFamily="34" charset="-127"/>
               </a:rPr>
-              <a:t>이를 느낄</a:t>
-            </a:r>
-          </a:p>
-          <a:p>
-            <a:pPr algn="l"/>
+              <a:t>전시</a:t>
+            </a:r>
+            <a:r>
+              <a:rPr lang="en-US" altLang="ko-KR" sz="1100" dirty="0" smtClean="0">
+                <a:solidFill>
+                  <a:schemeClr val="bg1"/>
+                </a:solidFill>
+                <a:latin typeface="Adobe 고딕 Std B" panose="020B0800000000000000" pitchFamily="34" charset="-127"/>
+                <a:ea typeface="Adobe 고딕 Std B" panose="020B0800000000000000" pitchFamily="34" charset="-127"/>
+              </a:rPr>
+              <a:t>(</a:t>
+            </a:r>
+            <a:r>
+              <a:rPr lang="ko-KR" altLang="en-US" sz="1100" dirty="0" err="1" smtClean="0">
+                <a:solidFill>
+                  <a:srgbClr val="FF0000"/>
+                </a:solidFill>
+                <a:latin typeface="Adobe 고딕 Std B" panose="020B0800000000000000" pitchFamily="34" charset="-127"/>
+                <a:ea typeface="Adobe 고딕 Std B" panose="020B0800000000000000" pitchFamily="34" charset="-127"/>
+              </a:rPr>
+              <a:t>보스러쉬</a:t>
+            </a:r>
             <a:r>
               <a:rPr lang="ko-KR" altLang="en-US" sz="1100" dirty="0" smtClean="0">
                 <a:solidFill>
-                  <a:schemeClr val="bg1"/>
-                </a:solidFill>
-                <a:latin typeface="Adobe 고딕 Std B" panose="020B0800000000000000" pitchFamily="34" charset="-127"/>
-                <a:ea typeface="Adobe 고딕 Std B" panose="020B0800000000000000" pitchFamily="34" charset="-127"/>
-              </a:rPr>
-              <a:t>수 있었습니다</a:t>
-            </a:r>
-          </a:p>
-          <a:p>
-            <a:pPr algn="l"/>
+                  <a:srgbClr val="FF0000"/>
+                </a:solidFill>
+                <a:latin typeface="Adobe 고딕 Std B" panose="020B0800000000000000" pitchFamily="34" charset="-127"/>
+                <a:ea typeface="Adobe 고딕 Std B" panose="020B0800000000000000" pitchFamily="34" charset="-127"/>
+              </a:rPr>
+              <a:t> 액션 전투 </a:t>
+            </a:r>
+            <a:r>
+              <a:rPr lang="ko-KR" altLang="en-US" sz="1100" dirty="0" smtClean="0">
+                <a:solidFill>
+                  <a:schemeClr val="bg1"/>
+                </a:solidFill>
+                <a:latin typeface="Adobe 고딕 Std B" panose="020B0800000000000000" pitchFamily="34" charset="-127"/>
+                <a:ea typeface="Adobe 고딕 Std B" panose="020B0800000000000000" pitchFamily="34" charset="-127"/>
+              </a:rPr>
+              <a:t>게임</a:t>
+            </a:r>
             <a:r>
               <a:rPr lang="en-US" altLang="ko-KR" sz="1100" dirty="0" smtClean="0">
                 <a:solidFill>
@@ -11946,12 +12420,9 @@
                 <a:latin typeface="Adobe 고딕 Std B" panose="020B0800000000000000" pitchFamily="34" charset="-127"/>
                 <a:ea typeface="Adobe 고딕 Std B" panose="020B0800000000000000" pitchFamily="34" charset="-127"/>
               </a:rPr>
-              <a:t>.</a:t>
-            </a:r>
-          </a:p>
-          <a:p>
-            <a:pPr algn="l"/>
-            <a:endParaRPr lang="en-US" altLang="ko-KR" sz="1100" dirty="0" smtClean="0">
+              <a:t>)</a:t>
+            </a:r>
+            <a:endParaRPr lang="ko-KR" altLang="en-US" sz="1100" dirty="0">
               <a:solidFill>
                 <a:schemeClr val="bg1"/>
               </a:solidFill>
@@ -11959,35 +12430,340 @@
               <a:ea typeface="Adobe 고딕 Std B" panose="020B0800000000000000" pitchFamily="34" charset="-127"/>
             </a:endParaRPr>
           </a:p>
+        </p:txBody>
+      </p:sp>
+      <p:sp>
+        <p:nvSpPr>
+          <p:cNvPr id="10" name="제목 1"/>
+          <p:cNvSpPr txBox="1">
+            <a:spLocks/>
+          </p:cNvSpPr>
+          <p:nvPr/>
+        </p:nvSpPr>
+        <p:spPr>
+          <a:xfrm>
+            <a:off x="286966" y="2593571"/>
+            <a:ext cx="3822852" cy="3059084"/>
+          </a:xfrm>
+          <a:prstGeom prst="rect">
+            <a:avLst/>
+          </a:prstGeom>
+        </p:spPr>
+        <p:txBody>
+          <a:bodyPr vert="horz" lIns="91440" tIns="45720" rIns="91440" bIns="45720" rtlCol="0" anchor="b">
+            <a:normAutofit/>
+          </a:bodyPr>
+          <a:lstStyle>
+            <a:lvl1pPr algn="ctr" defTabSz="914400" rtl="0" eaLnBrk="1" latinLnBrk="1" hangingPunct="1">
+              <a:lnSpc>
+                <a:spcPct val="90000"/>
+              </a:lnSpc>
+              <a:spcBef>
+                <a:spcPct val="0"/>
+              </a:spcBef>
+              <a:buNone/>
+              <a:defRPr sz="6000" kern="1200">
+                <a:solidFill>
+                  <a:schemeClr val="tx1"/>
+                </a:solidFill>
+                <a:latin typeface="+mj-lt"/>
+                <a:ea typeface="+mj-ea"/>
+                <a:cs typeface="+mj-cs"/>
+              </a:defRPr>
+            </a:lvl1pPr>
+          </a:lstStyle>
           <a:p>
             <a:pPr algn="l"/>
             <a:r>
-              <a:rPr lang="en-US" altLang="ko-KR" sz="1100" dirty="0" smtClean="0">
-                <a:solidFill>
-                  <a:schemeClr val="bg1"/>
-                </a:solidFill>
-                <a:latin typeface="Adobe 고딕 Std B" panose="020B0800000000000000" pitchFamily="34" charset="-127"/>
-                <a:ea typeface="Adobe 고딕 Std B" panose="020B0800000000000000" pitchFamily="34" charset="-127"/>
-              </a:rPr>
-              <a:t>•</a:t>
+              <a:rPr lang="ko-KR" altLang="en-US" sz="1000" dirty="0">
+                <a:solidFill>
+                  <a:schemeClr val="bg1"/>
+                </a:solidFill>
+                <a:latin typeface="Adobe 고딕 Std B" panose="020B0800000000000000" pitchFamily="34" charset="-127"/>
+                <a:ea typeface="Adobe 고딕 Std B" panose="020B0800000000000000" pitchFamily="34" charset="-127"/>
+              </a:rPr>
+              <a:t>교내 </a:t>
+            </a:r>
+            <a:r>
+              <a:rPr lang="ko-KR" altLang="en-US" sz="1000" dirty="0" err="1" smtClean="0">
+                <a:solidFill>
+                  <a:schemeClr val="bg1"/>
+                </a:solidFill>
+                <a:latin typeface="Adobe 고딕 Std B" panose="020B0800000000000000" pitchFamily="34" charset="-127"/>
+                <a:ea typeface="Adobe 고딕 Std B" panose="020B0800000000000000" pitchFamily="34" charset="-127"/>
+              </a:rPr>
+              <a:t>팀프로젝트</a:t>
+            </a:r>
+            <a:r>
+              <a:rPr lang="ko-KR" altLang="en-US" sz="1000" dirty="0" smtClean="0">
+                <a:solidFill>
+                  <a:schemeClr val="bg1"/>
+                </a:solidFill>
+                <a:latin typeface="Adobe 고딕 Std B" panose="020B0800000000000000" pitchFamily="34" charset="-127"/>
+                <a:ea typeface="Adobe 고딕 Std B" panose="020B0800000000000000" pitchFamily="34" charset="-127"/>
+              </a:rPr>
+              <a:t> </a:t>
+            </a:r>
+            <a:r>
+              <a:rPr lang="ko-KR" altLang="en-US" sz="1000" dirty="0">
+                <a:solidFill>
+                  <a:schemeClr val="bg1"/>
+                </a:solidFill>
+                <a:latin typeface="Adobe 고딕 Std B" panose="020B0800000000000000" pitchFamily="34" charset="-127"/>
+                <a:ea typeface="Adobe 고딕 Std B" panose="020B0800000000000000" pitchFamily="34" charset="-127"/>
+              </a:rPr>
+              <a:t>참여</a:t>
             </a:r>
           </a:p>
           <a:p>
             <a:pPr algn="l"/>
             <a:r>
-              <a:rPr lang="ko-KR" altLang="en-US" sz="1100" dirty="0" smtClean="0">
-                <a:solidFill>
-                  <a:schemeClr val="bg1"/>
-                </a:solidFill>
-                <a:latin typeface="Adobe 고딕 Std B" panose="020B0800000000000000" pitchFamily="34" charset="-127"/>
-                <a:ea typeface="Adobe 고딕 Std B" panose="020B0800000000000000" pitchFamily="34" charset="-127"/>
-              </a:rPr>
-              <a:t>타 업체들의 게임을 플레이</a:t>
+              <a:rPr lang="en-US" altLang="ko-KR" sz="1000" dirty="0">
+                <a:solidFill>
+                  <a:schemeClr val="bg1"/>
+                </a:solidFill>
+                <a:latin typeface="Adobe 고딕 Std B" panose="020B0800000000000000" pitchFamily="34" charset="-127"/>
+                <a:ea typeface="Adobe 고딕 Std B" panose="020B0800000000000000" pitchFamily="34" charset="-127"/>
+              </a:rPr>
+              <a:t>• </a:t>
+            </a:r>
+            <a:r>
+              <a:rPr lang="en-US" altLang="ko-KR" sz="1000" dirty="0" smtClean="0">
+                <a:solidFill>
+                  <a:schemeClr val="bg1"/>
+                </a:solidFill>
+                <a:latin typeface="Adobe 고딕 Std B" panose="020B0800000000000000" pitchFamily="34" charset="-127"/>
+                <a:ea typeface="Adobe 고딕 Std B" panose="020B0800000000000000" pitchFamily="34" charset="-127"/>
+              </a:rPr>
+              <a:t>2022) </a:t>
+            </a:r>
+            <a:r>
+              <a:rPr lang="ko-KR" altLang="en-US" sz="1000" dirty="0" err="1" smtClean="0">
+                <a:solidFill>
+                  <a:srgbClr val="FFFF00"/>
+                </a:solidFill>
+                <a:latin typeface="Adobe 고딕 Std B" panose="020B0800000000000000" pitchFamily="34" charset="-127"/>
+                <a:ea typeface="Adobe 고딕 Std B" panose="020B0800000000000000" pitchFamily="34" charset="-127"/>
+              </a:rPr>
+              <a:t>방탈출</a:t>
+            </a:r>
+            <a:r>
+              <a:rPr lang="ko-KR" altLang="en-US" sz="1000" dirty="0" smtClean="0">
+                <a:solidFill>
+                  <a:srgbClr val="FFFF00"/>
+                </a:solidFill>
+                <a:latin typeface="Adobe 고딕 Std B" panose="020B0800000000000000" pitchFamily="34" charset="-127"/>
+                <a:ea typeface="Adobe 고딕 Std B" panose="020B0800000000000000" pitchFamily="34" charset="-127"/>
+              </a:rPr>
+              <a:t> 퍼즐 게임 </a:t>
+            </a:r>
+            <a:r>
+              <a:rPr lang="en-US" altLang="ko-KR" sz="1000" dirty="0" smtClean="0">
+                <a:solidFill>
+                  <a:srgbClr val="FFFF00"/>
+                </a:solidFill>
+                <a:latin typeface="Adobe 고딕 Std B" panose="020B0800000000000000" pitchFamily="34" charset="-127"/>
+                <a:ea typeface="Adobe 고딕 Std B" panose="020B0800000000000000" pitchFamily="34" charset="-127"/>
+              </a:rPr>
+              <a:t>[</a:t>
+            </a:r>
+            <a:r>
+              <a:rPr lang="ko-KR" altLang="en-US" sz="1000" dirty="0" err="1" smtClean="0">
+                <a:solidFill>
+                  <a:srgbClr val="FFFF00"/>
+                </a:solidFill>
+                <a:latin typeface="Adobe 고딕 Std B" panose="020B0800000000000000" pitchFamily="34" charset="-127"/>
+                <a:ea typeface="Adobe 고딕 Std B" panose="020B0800000000000000" pitchFamily="34" charset="-127"/>
+              </a:rPr>
+              <a:t>솔루나</a:t>
+            </a:r>
+            <a:r>
+              <a:rPr lang="en-US" altLang="ko-KR" sz="1000" dirty="0" smtClean="0">
+                <a:solidFill>
+                  <a:srgbClr val="FFFF00"/>
+                </a:solidFill>
+                <a:latin typeface="Adobe 고딕 Std B" panose="020B0800000000000000" pitchFamily="34" charset="-127"/>
+                <a:ea typeface="Adobe 고딕 Std B" panose="020B0800000000000000" pitchFamily="34" charset="-127"/>
+              </a:rPr>
+              <a:t>] </a:t>
+            </a:r>
+            <a:r>
+              <a:rPr lang="ko-KR" altLang="en-US" sz="1000" dirty="0">
+                <a:solidFill>
+                  <a:srgbClr val="FFFF00"/>
+                </a:solidFill>
+                <a:latin typeface="Adobe 고딕 Std B" panose="020B0800000000000000" pitchFamily="34" charset="-127"/>
+                <a:ea typeface="Adobe 고딕 Std B" panose="020B0800000000000000" pitchFamily="34" charset="-127"/>
+              </a:rPr>
+              <a:t>프로젝트</a:t>
+            </a:r>
+            <a:r>
+              <a:rPr lang="ko-KR" altLang="en-US" sz="1000" dirty="0">
+                <a:solidFill>
+                  <a:schemeClr val="bg1"/>
+                </a:solidFill>
+                <a:latin typeface="Adobe 고딕 Std B" panose="020B0800000000000000" pitchFamily="34" charset="-127"/>
+                <a:ea typeface="Adobe 고딕 Std B" panose="020B0800000000000000" pitchFamily="34" charset="-127"/>
+              </a:rPr>
+              <a:t>에</a:t>
             </a:r>
           </a:p>
           <a:p>
             <a:pPr algn="l"/>
-            <a:endParaRPr lang="ko-KR" altLang="en-US" sz="1100" dirty="0" smtClean="0">
+            <a:r>
+              <a:rPr lang="ko-KR" altLang="en-US" sz="1000" dirty="0" smtClean="0">
+                <a:solidFill>
+                  <a:schemeClr val="bg1"/>
+                </a:solidFill>
+                <a:latin typeface="Adobe 고딕 Std B" panose="020B0800000000000000" pitchFamily="34" charset="-127"/>
+                <a:ea typeface="Adobe 고딕 Std B" panose="020B0800000000000000" pitchFamily="34" charset="-127"/>
+              </a:rPr>
+              <a:t>게임 프로그래머로 </a:t>
+            </a:r>
+            <a:r>
+              <a:rPr lang="ko-KR" altLang="en-US" sz="1000" dirty="0">
+                <a:solidFill>
+                  <a:schemeClr val="bg1"/>
+                </a:solidFill>
+                <a:latin typeface="Adobe 고딕 Std B" panose="020B0800000000000000" pitchFamily="34" charset="-127"/>
+                <a:ea typeface="Adobe 고딕 Std B" panose="020B0800000000000000" pitchFamily="34" charset="-127"/>
+              </a:rPr>
+              <a:t>참여 하여</a:t>
+            </a:r>
+            <a:r>
+              <a:rPr lang="en-US" altLang="ko-KR" sz="1000" dirty="0">
+                <a:solidFill>
+                  <a:schemeClr val="bg1"/>
+                </a:solidFill>
+                <a:latin typeface="Adobe 고딕 Std B" panose="020B0800000000000000" pitchFamily="34" charset="-127"/>
+                <a:ea typeface="Adobe 고딕 Std B" panose="020B0800000000000000" pitchFamily="34" charset="-127"/>
+              </a:rPr>
+              <a:t>, </a:t>
+            </a:r>
+            <a:r>
+              <a:rPr lang="ko-KR" altLang="en-US" sz="1000" dirty="0" smtClean="0">
+                <a:solidFill>
+                  <a:schemeClr val="bg1"/>
+                </a:solidFill>
+                <a:latin typeface="Adobe 고딕 Std B" panose="020B0800000000000000" pitchFamily="34" charset="-127"/>
+                <a:ea typeface="Adobe 고딕 Std B" panose="020B0800000000000000" pitchFamily="34" charset="-127"/>
+              </a:rPr>
+              <a:t>방탈출게임을 </a:t>
+            </a:r>
+            <a:r>
+              <a:rPr lang="ko-KR" altLang="en-US" sz="1000" dirty="0" smtClean="0">
+                <a:solidFill>
+                  <a:srgbClr val="00B050"/>
+                </a:solidFill>
+                <a:latin typeface="Adobe 고딕 Std B" panose="020B0800000000000000" pitchFamily="34" charset="-127"/>
+                <a:ea typeface="Adobe 고딕 Std B" panose="020B0800000000000000" pitchFamily="34" charset="-127"/>
+              </a:rPr>
+              <a:t>한 구역 전체를 전담</a:t>
+            </a:r>
+            <a:r>
+              <a:rPr lang="ko-KR" altLang="en-US" sz="1000" dirty="0" smtClean="0">
+                <a:solidFill>
+                  <a:schemeClr val="bg1"/>
+                </a:solidFill>
+                <a:latin typeface="Adobe 고딕 Std B" panose="020B0800000000000000" pitchFamily="34" charset="-127"/>
+                <a:ea typeface="Adobe 고딕 Std B" panose="020B0800000000000000" pitchFamily="34" charset="-127"/>
+              </a:rPr>
+              <a:t>해</a:t>
+            </a:r>
+            <a:r>
+              <a:rPr lang="ko-KR" altLang="en-US" sz="1000" dirty="0" smtClean="0">
+                <a:solidFill>
+                  <a:srgbClr val="00B050"/>
+                </a:solidFill>
+                <a:latin typeface="Adobe 고딕 Std B" panose="020B0800000000000000" pitchFamily="34" charset="-127"/>
+                <a:ea typeface="Adobe 고딕 Std B" panose="020B0800000000000000" pitchFamily="34" charset="-127"/>
+              </a:rPr>
+              <a:t> </a:t>
+            </a:r>
+            <a:r>
+              <a:rPr lang="ko-KR" altLang="en-US" sz="1000" dirty="0" smtClean="0">
+                <a:solidFill>
+                  <a:schemeClr val="bg1"/>
+                </a:solidFill>
+                <a:latin typeface="Adobe 고딕 Std B" panose="020B0800000000000000" pitchFamily="34" charset="-127"/>
+                <a:ea typeface="Adobe 고딕 Std B" panose="020B0800000000000000" pitchFamily="34" charset="-127"/>
+              </a:rPr>
+              <a:t>작업하였습니다</a:t>
+            </a:r>
+            <a:r>
+              <a:rPr lang="en-US" altLang="ko-KR" sz="1000" dirty="0" smtClean="0">
+                <a:solidFill>
+                  <a:schemeClr val="bg1"/>
+                </a:solidFill>
+                <a:latin typeface="Adobe 고딕 Std B" panose="020B0800000000000000" pitchFamily="34" charset="-127"/>
+                <a:ea typeface="Adobe 고딕 Std B" panose="020B0800000000000000" pitchFamily="34" charset="-127"/>
+              </a:rPr>
+              <a:t>. </a:t>
+            </a:r>
+            <a:r>
+              <a:rPr lang="ko-KR" altLang="en-US" sz="1000" dirty="0" smtClean="0">
+                <a:solidFill>
+                  <a:schemeClr val="bg1"/>
+                </a:solidFill>
+                <a:latin typeface="Adobe 고딕 Std B" panose="020B0800000000000000" pitchFamily="34" charset="-127"/>
+                <a:ea typeface="Adobe 고딕 Std B" panose="020B0800000000000000" pitchFamily="34" charset="-127"/>
+              </a:rPr>
+              <a:t>플레이어를 조작하여 특정아이템을 수집하거나 </a:t>
+            </a:r>
+            <a:r>
+              <a:rPr lang="ko-KR" altLang="en-US" sz="1000" dirty="0" err="1" smtClean="0">
+                <a:solidFill>
+                  <a:schemeClr val="bg1"/>
+                </a:solidFill>
+                <a:latin typeface="Adobe 고딕 Std B" panose="020B0800000000000000" pitchFamily="34" charset="-127"/>
+                <a:ea typeface="Adobe 고딕 Std B" panose="020B0800000000000000" pitchFamily="34" charset="-127"/>
+              </a:rPr>
+              <a:t>기믹들을</a:t>
+            </a:r>
+            <a:r>
+              <a:rPr lang="ko-KR" altLang="en-US" sz="1000" dirty="0" smtClean="0">
+                <a:solidFill>
+                  <a:schemeClr val="bg1"/>
+                </a:solidFill>
+                <a:latin typeface="Adobe 고딕 Std B" panose="020B0800000000000000" pitchFamily="34" charset="-127"/>
+                <a:ea typeface="Adobe 고딕 Std B" panose="020B0800000000000000" pitchFamily="34" charset="-127"/>
+              </a:rPr>
+              <a:t> 해제하면 다음 층으로 넘어갈 수 </a:t>
+            </a:r>
+            <a:r>
+              <a:rPr lang="ko-KR" altLang="en-US" sz="1000" dirty="0" err="1" smtClean="0">
+                <a:solidFill>
+                  <a:schemeClr val="bg1"/>
+                </a:solidFill>
+                <a:latin typeface="Adobe 고딕 Std B" panose="020B0800000000000000" pitchFamily="34" charset="-127"/>
+                <a:ea typeface="Adobe 고딕 Std B" panose="020B0800000000000000" pitchFamily="34" charset="-127"/>
+              </a:rPr>
+              <a:t>있돌고</a:t>
+            </a:r>
+            <a:r>
+              <a:rPr lang="ko-KR" altLang="en-US" sz="1000" dirty="0" smtClean="0">
+                <a:solidFill>
+                  <a:schemeClr val="bg1"/>
+                </a:solidFill>
+                <a:latin typeface="Adobe 고딕 Std B" panose="020B0800000000000000" pitchFamily="34" charset="-127"/>
+                <a:ea typeface="Adobe 고딕 Std B" panose="020B0800000000000000" pitchFamily="34" charset="-127"/>
+              </a:rPr>
+              <a:t> 하였습니다</a:t>
+            </a:r>
+            <a:r>
+              <a:rPr lang="en-US" altLang="ko-KR" sz="1000" dirty="0" smtClean="0">
+                <a:solidFill>
+                  <a:schemeClr val="bg1"/>
+                </a:solidFill>
+                <a:latin typeface="Adobe 고딕 Std B" panose="020B0800000000000000" pitchFamily="34" charset="-127"/>
+                <a:ea typeface="Adobe 고딕 Std B" panose="020B0800000000000000" pitchFamily="34" charset="-127"/>
+              </a:rPr>
+              <a:t>.</a:t>
+            </a:r>
+          </a:p>
+          <a:p>
+            <a:pPr algn="l"/>
+            <a:endParaRPr lang="en-US" altLang="ko-KR" sz="1000" dirty="0" smtClean="0">
               <a:solidFill>
                 <a:schemeClr val="bg1"/>
               </a:solidFill>
@@ -11998,17 +12774,167 @@
           <a:p>
             <a:pPr algn="l"/>
             <a:r>
-              <a:rPr lang="ko-KR" altLang="en-US" sz="1100" dirty="0" smtClean="0">
-                <a:solidFill>
-                  <a:schemeClr val="bg1"/>
-                </a:solidFill>
-                <a:latin typeface="Adobe 고딕 Std B" panose="020B0800000000000000" pitchFamily="34" charset="-127"/>
-                <a:ea typeface="Adobe 고딕 Std B" panose="020B0800000000000000" pitchFamily="34" charset="-127"/>
-              </a:rPr>
-              <a:t>해 보고</a:t>
-            </a:r>
-            <a:r>
-              <a:rPr lang="en-US" altLang="ko-KR" sz="1100" dirty="0" smtClean="0">
+              <a:rPr lang="en-US" altLang="ko-KR" sz="1000" dirty="0" smtClean="0">
+                <a:solidFill>
+                  <a:schemeClr val="bg1"/>
+                </a:solidFill>
+                <a:latin typeface="Adobe 고딕 Std B" panose="020B0800000000000000" pitchFamily="34" charset="-127"/>
+                <a:ea typeface="Adobe 고딕 Std B" panose="020B0800000000000000" pitchFamily="34" charset="-127"/>
+              </a:rPr>
+              <a:t>• 2022) </a:t>
+            </a:r>
+            <a:r>
+              <a:rPr lang="ko-KR" altLang="en-US" sz="1000" dirty="0" err="1" smtClean="0">
+                <a:solidFill>
+                  <a:srgbClr val="FF0000"/>
+                </a:solidFill>
+                <a:latin typeface="Adobe 고딕 Std B" panose="020B0800000000000000" pitchFamily="34" charset="-127"/>
+                <a:ea typeface="Adobe 고딕 Std B" panose="020B0800000000000000" pitchFamily="34" charset="-127"/>
+              </a:rPr>
+              <a:t>보스러쉬</a:t>
+            </a:r>
+            <a:r>
+              <a:rPr lang="ko-KR" altLang="en-US" sz="1000" dirty="0" smtClean="0">
+                <a:solidFill>
+                  <a:srgbClr val="FF0000"/>
+                </a:solidFill>
+                <a:latin typeface="Adobe 고딕 Std B" panose="020B0800000000000000" pitchFamily="34" charset="-127"/>
+                <a:ea typeface="Adobe 고딕 Std B" panose="020B0800000000000000" pitchFamily="34" charset="-127"/>
+              </a:rPr>
+              <a:t> 액션</a:t>
+            </a:r>
+            <a:r>
+              <a:rPr lang="en-US" altLang="ko-KR" sz="1000" dirty="0" smtClean="0">
+                <a:solidFill>
+                  <a:srgbClr val="FF0000"/>
+                </a:solidFill>
+                <a:latin typeface="Adobe 고딕 Std B" panose="020B0800000000000000" pitchFamily="34" charset="-127"/>
+                <a:ea typeface="Adobe 고딕 Std B" panose="020B0800000000000000" pitchFamily="34" charset="-127"/>
+              </a:rPr>
+              <a:t> </a:t>
+            </a:r>
+            <a:r>
+              <a:rPr lang="ko-KR" altLang="en-US" sz="1000" dirty="0">
+                <a:solidFill>
+                  <a:srgbClr val="FF0000"/>
+                </a:solidFill>
+                <a:latin typeface="Adobe 고딕 Std B" panose="020B0800000000000000" pitchFamily="34" charset="-127"/>
+                <a:ea typeface="Adobe 고딕 Std B" panose="020B0800000000000000" pitchFamily="34" charset="-127"/>
+              </a:rPr>
+              <a:t>게임 </a:t>
+            </a:r>
+            <a:r>
+              <a:rPr lang="en-US" altLang="ko-KR" sz="1000" dirty="0" smtClean="0">
+                <a:solidFill>
+                  <a:srgbClr val="FF0000"/>
+                </a:solidFill>
+                <a:latin typeface="Adobe 고딕 Std B" panose="020B0800000000000000" pitchFamily="34" charset="-127"/>
+                <a:ea typeface="Adobe 고딕 Std B" panose="020B0800000000000000" pitchFamily="34" charset="-127"/>
+              </a:rPr>
+              <a:t>[Path </a:t>
+            </a:r>
+            <a:r>
+              <a:rPr lang="en-US" altLang="ko-KR" sz="1000" dirty="0">
+                <a:solidFill>
+                  <a:srgbClr val="FF0000"/>
+                </a:solidFill>
+                <a:latin typeface="Adobe 고딕 Std B" panose="020B0800000000000000" pitchFamily="34" charset="-127"/>
+                <a:ea typeface="Adobe 고딕 Std B" panose="020B0800000000000000" pitchFamily="34" charset="-127"/>
+              </a:rPr>
+              <a:t>to </a:t>
+            </a:r>
+            <a:r>
+              <a:rPr lang="en-US" altLang="ko-KR" sz="1000" dirty="0" err="1">
+                <a:solidFill>
+                  <a:srgbClr val="FF0000"/>
+                </a:solidFill>
+                <a:latin typeface="Adobe 고딕 Std B" panose="020B0800000000000000" pitchFamily="34" charset="-127"/>
+                <a:ea typeface="Adobe 고딕 Std B" panose="020B0800000000000000" pitchFamily="34" charset="-127"/>
+              </a:rPr>
+              <a:t>Yggdrashil</a:t>
+            </a:r>
+            <a:r>
+              <a:rPr lang="en-US" altLang="ko-KR" sz="1000" dirty="0">
+                <a:solidFill>
+                  <a:srgbClr val="FF0000"/>
+                </a:solidFill>
+                <a:latin typeface="Adobe 고딕 Std B" panose="020B0800000000000000" pitchFamily="34" charset="-127"/>
+                <a:ea typeface="Adobe 고딕 Std B" panose="020B0800000000000000" pitchFamily="34" charset="-127"/>
+              </a:rPr>
+              <a:t>] </a:t>
+            </a:r>
+            <a:r>
+              <a:rPr lang="ko-KR" altLang="en-US" sz="1000" dirty="0">
+                <a:solidFill>
+                  <a:srgbClr val="FF0000"/>
+                </a:solidFill>
+                <a:latin typeface="Adobe 고딕 Std B" panose="020B0800000000000000" pitchFamily="34" charset="-127"/>
+                <a:ea typeface="Adobe 고딕 Std B" panose="020B0800000000000000" pitchFamily="34" charset="-127"/>
+              </a:rPr>
+              <a:t>프로젝트</a:t>
+            </a:r>
+            <a:r>
+              <a:rPr lang="ko-KR" altLang="en-US" sz="1000" dirty="0">
+                <a:solidFill>
+                  <a:schemeClr val="bg1"/>
+                </a:solidFill>
+                <a:latin typeface="Adobe 고딕 Std B" panose="020B0800000000000000" pitchFamily="34" charset="-127"/>
+                <a:ea typeface="Adobe 고딕 Std B" panose="020B0800000000000000" pitchFamily="34" charset="-127"/>
+              </a:rPr>
+              <a:t>에 </a:t>
+            </a:r>
+            <a:r>
+              <a:rPr lang="ko-KR" altLang="en-US" sz="1000" dirty="0" smtClean="0">
+                <a:solidFill>
+                  <a:schemeClr val="bg1"/>
+                </a:solidFill>
+                <a:latin typeface="Adobe 고딕 Std B" panose="020B0800000000000000" pitchFamily="34" charset="-127"/>
+                <a:ea typeface="Adobe 고딕 Std B" panose="020B0800000000000000" pitchFamily="34" charset="-127"/>
+              </a:rPr>
+              <a:t>클라이언트 </a:t>
+            </a:r>
+            <a:r>
+              <a:rPr lang="en-US" altLang="ko-KR" sz="1000" dirty="0" smtClean="0">
+                <a:solidFill>
+                  <a:srgbClr val="00B050"/>
+                </a:solidFill>
+                <a:latin typeface="Adobe 고딕 Std B" panose="020B0800000000000000" pitchFamily="34" charset="-127"/>
+                <a:ea typeface="Adobe 고딕 Std B" panose="020B0800000000000000" pitchFamily="34" charset="-127"/>
+              </a:rPr>
+              <a:t>UI</a:t>
+            </a:r>
+            <a:r>
+              <a:rPr lang="ko-KR" altLang="en-US" sz="1000" dirty="0" smtClean="0">
+                <a:solidFill>
+                  <a:srgbClr val="00B050"/>
+                </a:solidFill>
+                <a:latin typeface="Adobe 고딕 Std B" panose="020B0800000000000000" pitchFamily="34" charset="-127"/>
+                <a:ea typeface="Adobe 고딕 Std B" panose="020B0800000000000000" pitchFamily="34" charset="-127"/>
+              </a:rPr>
+              <a:t>전담 인력</a:t>
+            </a:r>
+            <a:r>
+              <a:rPr lang="ko-KR" altLang="en-US" sz="1000" dirty="0" smtClean="0">
+                <a:solidFill>
+                  <a:schemeClr val="bg1"/>
+                </a:solidFill>
+                <a:latin typeface="Adobe 고딕 Std B" panose="020B0800000000000000" pitchFamily="34" charset="-127"/>
+                <a:ea typeface="Adobe 고딕 Std B" panose="020B0800000000000000" pitchFamily="34" charset="-127"/>
+              </a:rPr>
+              <a:t>으로 </a:t>
+            </a:r>
+            <a:r>
+              <a:rPr lang="ko-KR" altLang="en-US" sz="1000" dirty="0">
+                <a:solidFill>
+                  <a:schemeClr val="bg1"/>
+                </a:solidFill>
+                <a:latin typeface="Adobe 고딕 Std B" panose="020B0800000000000000" pitchFamily="34" charset="-127"/>
+                <a:ea typeface="Adobe 고딕 Std B" panose="020B0800000000000000" pitchFamily="34" charset="-127"/>
+              </a:rPr>
+              <a:t>참여하여</a:t>
+            </a:r>
+            <a:r>
+              <a:rPr lang="en-US" altLang="ko-KR" sz="1000" dirty="0">
                 <a:solidFill>
                   <a:schemeClr val="bg1"/>
                 </a:solidFill>
@@ -12018,45 +12944,109 @@
               <a:t>, </a:t>
             </a:r>
             <a:r>
-              <a:rPr lang="ko-KR" altLang="en-US" sz="1100" dirty="0" smtClean="0">
-                <a:solidFill>
-                  <a:schemeClr val="bg1"/>
-                </a:solidFill>
-                <a:latin typeface="Adobe 고딕 Std B" panose="020B0800000000000000" pitchFamily="34" charset="-127"/>
-                <a:ea typeface="Adobe 고딕 Std B" panose="020B0800000000000000" pitchFamily="34" charset="-127"/>
-              </a:rPr>
-              <a:t>개발자</a:t>
+              <a:rPr lang="ko-KR" altLang="en-US" sz="1000" dirty="0" err="1" smtClean="0">
+                <a:solidFill>
+                  <a:schemeClr val="bg1"/>
+                </a:solidFill>
+                <a:latin typeface="Adobe 고딕 Std B" panose="020B0800000000000000" pitchFamily="34" charset="-127"/>
+                <a:ea typeface="Adobe 고딕 Std B" panose="020B0800000000000000" pitchFamily="34" charset="-127"/>
+              </a:rPr>
+              <a:t>메인화면</a:t>
+            </a:r>
+            <a:r>
+              <a:rPr lang="ko-KR" altLang="en-US" sz="1000" dirty="0" smtClean="0">
+                <a:solidFill>
+                  <a:schemeClr val="bg1"/>
+                </a:solidFill>
+                <a:latin typeface="Adobe 고딕 Std B" panose="020B0800000000000000" pitchFamily="34" charset="-127"/>
+                <a:ea typeface="Adobe 고딕 Std B" panose="020B0800000000000000" pitchFamily="34" charset="-127"/>
+              </a:rPr>
+              <a:t> 부터 시작하여 </a:t>
+            </a:r>
+            <a:r>
+              <a:rPr lang="ko-KR" altLang="en-US" sz="1000" dirty="0" err="1" smtClean="0">
+                <a:solidFill>
+                  <a:schemeClr val="bg1"/>
+                </a:solidFill>
+                <a:latin typeface="Adobe 고딕 Std B" panose="020B0800000000000000" pitchFamily="34" charset="-127"/>
+                <a:ea typeface="Adobe 고딕 Std B" panose="020B0800000000000000" pitchFamily="34" charset="-127"/>
+              </a:rPr>
+              <a:t>인게임의</a:t>
+            </a:r>
+            <a:r>
+              <a:rPr lang="ko-KR" altLang="en-US" sz="1000" dirty="0" smtClean="0">
+                <a:solidFill>
+                  <a:schemeClr val="bg1"/>
+                </a:solidFill>
+                <a:latin typeface="Adobe 고딕 Std B" panose="020B0800000000000000" pitchFamily="34" charset="-127"/>
+                <a:ea typeface="Adobe 고딕 Std B" panose="020B0800000000000000" pitchFamily="34" charset="-127"/>
+              </a:rPr>
+              <a:t> </a:t>
+            </a:r>
+            <a:r>
+              <a:rPr lang="en-US" altLang="ko-KR" sz="1000" dirty="0" smtClean="0">
+                <a:solidFill>
+                  <a:schemeClr val="bg1"/>
+                </a:solidFill>
+                <a:latin typeface="Adobe 고딕 Std B" panose="020B0800000000000000" pitchFamily="34" charset="-127"/>
+                <a:ea typeface="Adobe 고딕 Std B" panose="020B0800000000000000" pitchFamily="34" charset="-127"/>
+              </a:rPr>
+              <a:t>UI</a:t>
+            </a:r>
+            <a:r>
+              <a:rPr lang="ko-KR" altLang="en-US" sz="1000" dirty="0" smtClean="0">
+                <a:solidFill>
+                  <a:schemeClr val="bg1"/>
+                </a:solidFill>
+                <a:latin typeface="Adobe 고딕 Std B" panose="020B0800000000000000" pitchFamily="34" charset="-127"/>
+                <a:ea typeface="Adobe 고딕 Std B" panose="020B0800000000000000" pitchFamily="34" charset="-127"/>
+              </a:rPr>
+              <a:t>까지 모든 </a:t>
+            </a:r>
+            <a:r>
+              <a:rPr lang="en-US" altLang="ko-KR" sz="1000" dirty="0" smtClean="0">
+                <a:solidFill>
+                  <a:schemeClr val="bg1"/>
+                </a:solidFill>
+                <a:latin typeface="Adobe 고딕 Std B" panose="020B0800000000000000" pitchFamily="34" charset="-127"/>
+                <a:ea typeface="Adobe 고딕 Std B" panose="020B0800000000000000" pitchFamily="34" charset="-127"/>
+              </a:rPr>
+              <a:t>UI</a:t>
+            </a:r>
+            <a:r>
+              <a:rPr lang="ko-KR" altLang="en-US" sz="1000" dirty="0" err="1" smtClean="0">
+                <a:solidFill>
+                  <a:schemeClr val="bg1"/>
+                </a:solidFill>
+                <a:latin typeface="Adobe 고딕 Std B" panose="020B0800000000000000" pitchFamily="34" charset="-127"/>
+                <a:ea typeface="Adobe 고딕 Std B" panose="020B0800000000000000" pitchFamily="34" charset="-127"/>
+              </a:rPr>
+              <a:t>관련작업을</a:t>
+            </a:r>
+            <a:r>
+              <a:rPr lang="ko-KR" altLang="en-US" sz="1000" dirty="0" smtClean="0">
+                <a:solidFill>
+                  <a:schemeClr val="bg1"/>
+                </a:solidFill>
+                <a:latin typeface="Adobe 고딕 Std B" panose="020B0800000000000000" pitchFamily="34" charset="-127"/>
+                <a:ea typeface="Adobe 고딕 Std B" panose="020B0800000000000000" pitchFamily="34" charset="-127"/>
+              </a:rPr>
+              <a:t> 하였습니다</a:t>
+            </a:r>
+            <a:r>
+              <a:rPr lang="en-US" altLang="ko-KR" sz="1000" dirty="0" smtClean="0">
+                <a:solidFill>
+                  <a:schemeClr val="bg1"/>
+                </a:solidFill>
+                <a:latin typeface="Adobe 고딕 Std B" panose="020B0800000000000000" pitchFamily="34" charset="-127"/>
+                <a:ea typeface="Adobe 고딕 Std B" panose="020B0800000000000000" pitchFamily="34" charset="-127"/>
+              </a:rPr>
+              <a:t>.</a:t>
             </a:r>
           </a:p>
           <a:p>
             <a:pPr algn="l"/>
-            <a:r>
-              <a:rPr lang="ko-KR" altLang="en-US" sz="1100" dirty="0" smtClean="0">
-                <a:solidFill>
-                  <a:schemeClr val="bg1"/>
-                </a:solidFill>
-                <a:latin typeface="Adobe 고딕 Std B" panose="020B0800000000000000" pitchFamily="34" charset="-127"/>
-                <a:ea typeface="Adobe 고딕 Std B" panose="020B0800000000000000" pitchFamily="34" charset="-127"/>
-              </a:rPr>
-              <a:t>분</a:t>
-            </a:r>
-          </a:p>
-          <a:p>
-            <a:pPr algn="l"/>
-            <a:r>
-              <a:rPr lang="ko-KR" altLang="en-US" sz="1100" dirty="0" smtClean="0">
-                <a:solidFill>
-                  <a:schemeClr val="bg1"/>
-                </a:solidFill>
-                <a:latin typeface="Adobe 고딕 Std B" panose="020B0800000000000000" pitchFamily="34" charset="-127"/>
-                <a:ea typeface="Adobe 고딕 Std B" panose="020B0800000000000000" pitchFamily="34" charset="-127"/>
-              </a:rPr>
-              <a:t>들</a:t>
-            </a:r>
-          </a:p>
-          <a:p>
-            <a:pPr algn="l"/>
-            <a:endParaRPr lang="ko-KR" altLang="en-US" sz="1100" dirty="0" smtClean="0">
+            <a:endParaRPr lang="en-US" altLang="ko-KR" sz="1000">
               <a:solidFill>
                 <a:schemeClr val="bg1"/>
               </a:solidFill>
@@ -12066,20 +13056,7 @@
           </a:p>
           <a:p>
             <a:pPr algn="l"/>
-            <a:r>
-              <a:rPr lang="ko-KR" altLang="en-US" sz="1100" dirty="0" smtClean="0">
-                <a:solidFill>
-                  <a:schemeClr val="bg1"/>
-                </a:solidFill>
-                <a:latin typeface="Adobe 고딕 Std B" panose="020B0800000000000000" pitchFamily="34" charset="-127"/>
-                <a:ea typeface="Adobe 고딕 Std B" panose="020B0800000000000000" pitchFamily="34" charset="-127"/>
-              </a:rPr>
-              <a:t>과의 대화를 통해 식견을 넓힐</a:t>
-            </a:r>
-          </a:p>
-          <a:p>
-            <a:pPr algn="l"/>
-            <a:endParaRPr lang="ko-KR" altLang="en-US" sz="1100" dirty="0" smtClean="0">
+            <a:endParaRPr lang="en-US" altLang="ko-KR" sz="1000" dirty="0" smtClean="0">
               <a:solidFill>
                 <a:schemeClr val="bg1"/>
               </a:solidFill>
@@ -12089,99 +13066,7 @@
           </a:p>
           <a:p>
             <a:pPr algn="l"/>
-            <a:r>
-              <a:rPr lang="ko-KR" altLang="en-US" sz="1100" dirty="0" smtClean="0">
-                <a:solidFill>
-                  <a:schemeClr val="bg1"/>
-                </a:solidFill>
-                <a:latin typeface="Adobe 고딕 Std B" panose="020B0800000000000000" pitchFamily="34" charset="-127"/>
-                <a:ea typeface="Adobe 고딕 Std B" panose="020B0800000000000000" pitchFamily="34" charset="-127"/>
-              </a:rPr>
-              <a:t>수 있었습니다</a:t>
-            </a:r>
-          </a:p>
-          <a:p>
-            <a:pPr algn="l"/>
-            <a:r>
-              <a:rPr lang="en-US" altLang="ko-KR" sz="1100" dirty="0" smtClean="0">
-                <a:solidFill>
-                  <a:schemeClr val="bg1"/>
-                </a:solidFill>
-                <a:latin typeface="Adobe 고딕 Std B" panose="020B0800000000000000" pitchFamily="34" charset="-127"/>
-                <a:ea typeface="Adobe 고딕 Std B" panose="020B0800000000000000" pitchFamily="34" charset="-127"/>
-              </a:rPr>
-              <a:t>.</a:t>
-            </a:r>
-          </a:p>
-          <a:p>
-            <a:pPr algn="l"/>
-            <a:r>
-              <a:rPr lang="en-US" altLang="ko-KR" sz="1100" dirty="0" smtClean="0">
-                <a:solidFill>
-                  <a:schemeClr val="bg1"/>
-                </a:solidFill>
-                <a:latin typeface="Adobe 고딕 Std B" panose="020B0800000000000000" pitchFamily="34" charset="-127"/>
-                <a:ea typeface="Adobe 고딕 Std B" panose="020B0800000000000000" pitchFamily="34" charset="-127"/>
-              </a:rPr>
-              <a:t>• </a:t>
-            </a:r>
-            <a:r>
-              <a:rPr lang="ko-KR" altLang="en-US" sz="1100" dirty="0" smtClean="0">
-                <a:solidFill>
-                  <a:schemeClr val="bg1"/>
-                </a:solidFill>
-                <a:latin typeface="Adobe 고딕 Std B" panose="020B0800000000000000" pitchFamily="34" charset="-127"/>
-                <a:ea typeface="Adobe 고딕 Std B" panose="020B0800000000000000" pitchFamily="34" charset="-127"/>
-              </a:rPr>
-              <a:t>이러한 경험을 통해 업계의 동향을 파악할</a:t>
-            </a:r>
-          </a:p>
-          <a:p>
-            <a:pPr algn="l"/>
-            <a:r>
-              <a:rPr lang="ko-KR" altLang="en-US" sz="1100" dirty="0" smtClean="0">
-                <a:solidFill>
-                  <a:schemeClr val="bg1"/>
-                </a:solidFill>
-                <a:latin typeface="Adobe 고딕 Std B" panose="020B0800000000000000" pitchFamily="34" charset="-127"/>
-                <a:ea typeface="Adobe 고딕 Std B" panose="020B0800000000000000" pitchFamily="34" charset="-127"/>
-              </a:rPr>
-              <a:t>수 있었</a:t>
-            </a:r>
-          </a:p>
-          <a:p>
-            <a:pPr algn="l"/>
-            <a:r>
-              <a:rPr lang="ko-KR" altLang="en-US" sz="1100" dirty="0" smtClean="0">
-                <a:solidFill>
-                  <a:schemeClr val="bg1"/>
-                </a:solidFill>
-                <a:latin typeface="Adobe 고딕 Std B" panose="020B0800000000000000" pitchFamily="34" charset="-127"/>
-                <a:ea typeface="Adobe 고딕 Std B" panose="020B0800000000000000" pitchFamily="34" charset="-127"/>
-              </a:rPr>
-              <a:t>고</a:t>
-            </a:r>
-            <a:r>
-              <a:rPr lang="en-US" altLang="ko-KR" sz="1100" dirty="0" smtClean="0">
-                <a:solidFill>
-                  <a:schemeClr val="bg1"/>
-                </a:solidFill>
-                <a:latin typeface="Adobe 고딕 Std B" panose="020B0800000000000000" pitchFamily="34" charset="-127"/>
-                <a:ea typeface="Adobe 고딕 Std B" panose="020B0800000000000000" pitchFamily="34" charset="-127"/>
-              </a:rPr>
-              <a:t>, </a:t>
-            </a:r>
-            <a:r>
-              <a:rPr lang="ko-KR" altLang="en-US" sz="1100" dirty="0" smtClean="0">
-                <a:solidFill>
-                  <a:schemeClr val="bg1"/>
-                </a:solidFill>
-                <a:latin typeface="Adobe 고딕 Std B" panose="020B0800000000000000" pitchFamily="34" charset="-127"/>
-                <a:ea typeface="Adobe 고딕 Std B" panose="020B0800000000000000" pitchFamily="34" charset="-127"/>
-              </a:rPr>
-              <a:t>게임 기획자에 대한 꿈을 더욱 확고하게</a:t>
-            </a:r>
-            <a:endParaRPr lang="en-US" altLang="ko-KR" sz="1100" dirty="0" smtClean="0">
+            <a:endParaRPr lang="en-US" altLang="ko-KR" sz="1000" dirty="0" smtClean="0">
               <a:solidFill>
                 <a:schemeClr val="bg1"/>
               </a:solidFill>
@@ -12189,12 +13074,105 @@
               <a:ea typeface="Adobe 고딕 Std B" panose="020B0800000000000000" pitchFamily="34" charset="-127"/>
             </a:endParaRPr>
           </a:p>
+          <a:p>
+            <a:pPr algn="l"/>
+            <a:r>
+              <a:rPr lang="en-US" altLang="ko-KR" sz="1000" dirty="0" smtClean="0">
+                <a:solidFill>
+                  <a:schemeClr val="bg1"/>
+                </a:solidFill>
+                <a:latin typeface="Adobe 고딕 Std B" panose="020B0800000000000000" pitchFamily="34" charset="-127"/>
+                <a:ea typeface="Adobe 고딕 Std B" panose="020B0800000000000000" pitchFamily="34" charset="-127"/>
+              </a:rPr>
+              <a:t>• </a:t>
+            </a:r>
+            <a:r>
+              <a:rPr lang="ko-KR" altLang="en-US" sz="1000" dirty="0">
+                <a:solidFill>
+                  <a:schemeClr val="bg1"/>
+                </a:solidFill>
+                <a:latin typeface="Adobe 고딕 Std B" panose="020B0800000000000000" pitchFamily="34" charset="-127"/>
+                <a:ea typeface="Adobe 고딕 Std B" panose="020B0800000000000000" pitchFamily="34" charset="-127"/>
+              </a:rPr>
+              <a:t>이러한 경험을 통해</a:t>
+            </a:r>
+            <a:r>
+              <a:rPr lang="en-US" altLang="ko-KR" sz="1000" dirty="0">
+                <a:solidFill>
+                  <a:schemeClr val="bg1"/>
+                </a:solidFill>
+                <a:latin typeface="Adobe 고딕 Std B" panose="020B0800000000000000" pitchFamily="34" charset="-127"/>
+                <a:ea typeface="Adobe 고딕 Std B" panose="020B0800000000000000" pitchFamily="34" charset="-127"/>
+              </a:rPr>
+              <a:t>, </a:t>
+            </a:r>
+            <a:r>
+              <a:rPr lang="ko-KR" altLang="en-US" sz="1000" dirty="0">
+                <a:solidFill>
+                  <a:schemeClr val="bg1"/>
+                </a:solidFill>
+                <a:latin typeface="Adobe 고딕 Std B" panose="020B0800000000000000" pitchFamily="34" charset="-127"/>
+                <a:ea typeface="Adobe 고딕 Std B" panose="020B0800000000000000" pitchFamily="34" charset="-127"/>
+              </a:rPr>
+              <a:t>실무 및 협업 역량을 갖출 수</a:t>
+            </a:r>
+          </a:p>
+          <a:p>
+            <a:pPr algn="l"/>
+            <a:r>
+              <a:rPr lang="ko-KR" altLang="en-US" sz="1000" dirty="0">
+                <a:solidFill>
+                  <a:schemeClr val="bg1"/>
+                </a:solidFill>
+                <a:latin typeface="Adobe 고딕 Std B" panose="020B0800000000000000" pitchFamily="34" charset="-127"/>
+                <a:ea typeface="Adobe 고딕 Std B" panose="020B0800000000000000" pitchFamily="34" charset="-127"/>
+              </a:rPr>
+              <a:t>있었고</a:t>
+            </a:r>
+            <a:r>
+              <a:rPr lang="en-US" altLang="ko-KR" sz="1000" dirty="0">
+                <a:solidFill>
+                  <a:schemeClr val="bg1"/>
+                </a:solidFill>
+                <a:latin typeface="Adobe 고딕 Std B" panose="020B0800000000000000" pitchFamily="34" charset="-127"/>
+                <a:ea typeface="Adobe 고딕 Std B" panose="020B0800000000000000" pitchFamily="34" charset="-127"/>
+              </a:rPr>
+              <a:t>, </a:t>
+            </a:r>
+            <a:r>
+              <a:rPr lang="ko-KR" altLang="en-US" sz="1000" dirty="0">
+                <a:solidFill>
+                  <a:schemeClr val="bg1"/>
+                </a:solidFill>
+                <a:latin typeface="Adobe 고딕 Std B" panose="020B0800000000000000" pitchFamily="34" charset="-127"/>
+                <a:ea typeface="Adobe 고딕 Std B" panose="020B0800000000000000" pitchFamily="34" charset="-127"/>
+              </a:rPr>
+              <a:t>개발에 대한 이해도를 높일 수 있었습니다</a:t>
+            </a:r>
+            <a:r>
+              <a:rPr lang="en-US" altLang="ko-KR" sz="1000" dirty="0">
+                <a:solidFill>
+                  <a:schemeClr val="bg1"/>
+                </a:solidFill>
+                <a:latin typeface="Adobe 고딕 Std B" panose="020B0800000000000000" pitchFamily="34" charset="-127"/>
+                <a:ea typeface="Adobe 고딕 Std B" panose="020B0800000000000000" pitchFamily="34" charset="-127"/>
+              </a:rPr>
+              <a:t>.</a:t>
+            </a:r>
+            <a:endParaRPr lang="en-US" altLang="ko-KR" sz="1000" dirty="0" smtClean="0">
+              <a:solidFill>
+                <a:schemeClr val="bg1"/>
+              </a:solidFill>
+              <a:latin typeface="Adobe 고딕 Std B" panose="020B0800000000000000" pitchFamily="34" charset="-127"/>
+              <a:ea typeface="Adobe 고딕 Std B" panose="020B0800000000000000" pitchFamily="34" charset="-127"/>
+            </a:endParaRPr>
+          </a:p>
         </p:txBody>
       </p:sp>
     </p:spTree>
     <p:extLst>
       <p:ext uri="{BB962C8B-B14F-4D97-AF65-F5344CB8AC3E}">
-        <p14:creationId xmlns:p14="http://schemas.microsoft.com/office/powerpoint/2010/main" val="3451843199"/>
+        <p14:creationId xmlns:p14="http://schemas.microsoft.com/office/powerpoint/2010/main" val="1155646295"/>
       </p:ext>
     </p:extLst>
   </p:cSld>
